--- a/1802자구설1차.pptx
+++ b/1802자구설1차.pptx
@@ -7,8 +7,10 @@
   <p:sldIdLst>
     <p:sldId id="256" r:id="rId2"/>
     <p:sldId id="257" r:id="rId3"/>
-    <p:sldId id="258" r:id="rId4"/>
-    <p:sldId id="259" r:id="rId5"/>
+    <p:sldId id="260" r:id="rId4"/>
+    <p:sldId id="258" r:id="rId5"/>
+    <p:sldId id="261" r:id="rId6"/>
+    <p:sldId id="259" r:id="rId7"/>
   </p:sldIdLst>
   <p:sldSz cx="12192000" cy="6858000"/>
   <p:notesSz cx="6858000" cy="9144000"/>
@@ -107,6 +109,11 @@
       </a:defRPr>
     </a:lvl9pPr>
   </p:defaultTextStyle>
+  <p:extLst>
+    <p:ext uri="{EFAFB233-063F-42B5-8137-9DF3F51BA10A}">
+      <p15:sldGuideLst xmlns:p15="http://schemas.microsoft.com/office/powerpoint/2012/main"/>
+    </p:ext>
+  </p:extLst>
 </p:presentation>
 </file>
 
@@ -441,7 +448,7 @@
           <a:p>
             <a:fld id="{EDEE5555-96F6-4600-823E-DAF050670A28}" type="datetimeFigureOut">
               <a:rPr lang="ko-KR" altLang="en-US" smtClean="0"/>
-              <a:t>2018-09-09</a:t>
+              <a:t>2018-09-11</a:t>
             </a:fld>
             <a:endParaRPr lang="ko-KR" altLang="en-US"/>
           </a:p>
@@ -765,7 +772,7 @@
           <a:p>
             <a:fld id="{EDEE5555-96F6-4600-823E-DAF050670A28}" type="datetimeFigureOut">
               <a:rPr lang="ko-KR" altLang="en-US" smtClean="0"/>
-              <a:t>2018-09-09</a:t>
+              <a:t>2018-09-11</a:t>
             </a:fld>
             <a:endParaRPr lang="ko-KR" altLang="en-US"/>
           </a:p>
@@ -1013,7 +1020,7 @@
           <a:p>
             <a:fld id="{EDEE5555-96F6-4600-823E-DAF050670A28}" type="datetimeFigureOut">
               <a:rPr lang="ko-KR" altLang="en-US" smtClean="0"/>
-              <a:t>2018-09-09</a:t>
+              <a:t>2018-09-11</a:t>
             </a:fld>
             <a:endParaRPr lang="ko-KR" altLang="en-US"/>
           </a:p>
@@ -1352,7 +1359,7 @@
           <a:p>
             <a:fld id="{EDEE5555-96F6-4600-823E-DAF050670A28}" type="datetimeFigureOut">
               <a:rPr lang="ko-KR" altLang="en-US" smtClean="0"/>
-              <a:t>2018-09-09</a:t>
+              <a:t>2018-09-11</a:t>
             </a:fld>
             <a:endParaRPr lang="ko-KR" altLang="en-US"/>
           </a:p>
@@ -1699,7 +1706,7 @@
           <a:p>
             <a:fld id="{EDEE5555-96F6-4600-823E-DAF050670A28}" type="datetimeFigureOut">
               <a:rPr lang="ko-KR" altLang="en-US" smtClean="0"/>
-              <a:t>2018-09-09</a:t>
+              <a:t>2018-09-11</a:t>
             </a:fld>
             <a:endParaRPr lang="ko-KR" altLang="en-US"/>
           </a:p>
@@ -2073,7 +2080,7 @@
           <a:p>
             <a:fld id="{EDEE5555-96F6-4600-823E-DAF050670A28}" type="datetimeFigureOut">
               <a:rPr lang="ko-KR" altLang="en-US" smtClean="0"/>
-              <a:t>2018-09-09</a:t>
+              <a:t>2018-09-11</a:t>
             </a:fld>
             <a:endParaRPr lang="ko-KR" altLang="en-US"/>
           </a:p>
@@ -2543,7 +2550,7 @@
           <a:p>
             <a:fld id="{EDEE5555-96F6-4600-823E-DAF050670A28}" type="datetimeFigureOut">
               <a:rPr lang="ko-KR" altLang="en-US" smtClean="0"/>
-              <a:t>2018-09-09</a:t>
+              <a:t>2018-09-11</a:t>
             </a:fld>
             <a:endParaRPr lang="ko-KR" altLang="en-US"/>
           </a:p>
@@ -2748,7 +2755,7 @@
           <a:p>
             <a:fld id="{EDEE5555-96F6-4600-823E-DAF050670A28}" type="datetimeFigureOut">
               <a:rPr lang="ko-KR" altLang="en-US" smtClean="0"/>
-              <a:t>2018-09-09</a:t>
+              <a:t>2018-09-11</a:t>
             </a:fld>
             <a:endParaRPr lang="ko-KR" altLang="en-US"/>
           </a:p>
@@ -2959,7 +2966,7 @@
           <a:p>
             <a:fld id="{EDEE5555-96F6-4600-823E-DAF050670A28}" type="datetimeFigureOut">
               <a:rPr lang="ko-KR" altLang="en-US" smtClean="0"/>
-              <a:t>2018-09-09</a:t>
+              <a:t>2018-09-11</a:t>
             </a:fld>
             <a:endParaRPr lang="ko-KR" altLang="en-US"/>
           </a:p>
@@ -3191,7 +3198,7 @@
           <a:p>
             <a:fld id="{EDEE5555-96F6-4600-823E-DAF050670A28}" type="datetimeFigureOut">
               <a:rPr lang="ko-KR" altLang="en-US" smtClean="0"/>
-              <a:t>2018-09-09</a:t>
+              <a:t>2018-09-11</a:t>
             </a:fld>
             <a:endParaRPr lang="ko-KR" altLang="en-US"/>
           </a:p>
@@ -3439,7 +3446,7 @@
           <a:p>
             <a:fld id="{EDEE5555-96F6-4600-823E-DAF050670A28}" type="datetimeFigureOut">
               <a:rPr lang="ko-KR" altLang="en-US" smtClean="0"/>
-              <a:t>2018-09-09</a:t>
+              <a:t>2018-09-11</a:t>
             </a:fld>
             <a:endParaRPr lang="ko-KR" altLang="en-US"/>
           </a:p>
@@ -3737,7 +3744,7 @@
           <a:p>
             <a:fld id="{EDEE5555-96F6-4600-823E-DAF050670A28}" type="datetimeFigureOut">
               <a:rPr lang="ko-KR" altLang="en-US" smtClean="0"/>
-              <a:t>2018-09-09</a:t>
+              <a:t>2018-09-11</a:t>
             </a:fld>
             <a:endParaRPr lang="ko-KR" altLang="en-US"/>
           </a:p>
@@ -4131,7 +4138,7 @@
           <a:p>
             <a:fld id="{EDEE5555-96F6-4600-823E-DAF050670A28}" type="datetimeFigureOut">
               <a:rPr lang="ko-KR" altLang="en-US" smtClean="0"/>
-              <a:t>2018-09-09</a:t>
+              <a:t>2018-09-11</a:t>
             </a:fld>
             <a:endParaRPr lang="ko-KR" altLang="en-US"/>
           </a:p>
@@ -4280,7 +4287,7 @@
           <a:p>
             <a:fld id="{EDEE5555-96F6-4600-823E-DAF050670A28}" type="datetimeFigureOut">
               <a:rPr lang="ko-KR" altLang="en-US" smtClean="0"/>
-              <a:t>2018-09-09</a:t>
+              <a:t>2018-09-11</a:t>
             </a:fld>
             <a:endParaRPr lang="ko-KR" altLang="en-US"/>
           </a:p>
@@ -4406,7 +4413,7 @@
           <a:p>
             <a:fld id="{EDEE5555-96F6-4600-823E-DAF050670A28}" type="datetimeFigureOut">
               <a:rPr lang="ko-KR" altLang="en-US" smtClean="0"/>
-              <a:t>2018-09-09</a:t>
+              <a:t>2018-09-11</a:t>
             </a:fld>
             <a:endParaRPr lang="ko-KR" altLang="en-US"/>
           </a:p>
@@ -4661,7 +4668,7 @@
           <a:p>
             <a:fld id="{EDEE5555-96F6-4600-823E-DAF050670A28}" type="datetimeFigureOut">
               <a:rPr lang="ko-KR" altLang="en-US" smtClean="0"/>
-              <a:t>2018-09-09</a:t>
+              <a:t>2018-09-11</a:t>
             </a:fld>
             <a:endParaRPr lang="ko-KR" altLang="en-US"/>
           </a:p>
@@ -4976,7 +4983,7 @@
           <a:p>
             <a:fld id="{EDEE5555-96F6-4600-823E-DAF050670A28}" type="datetimeFigureOut">
               <a:rPr lang="ko-KR" altLang="en-US" smtClean="0"/>
-              <a:t>2018-09-09</a:t>
+              <a:t>2018-09-11</a:t>
             </a:fld>
             <a:endParaRPr lang="ko-KR" altLang="en-US"/>
           </a:p>
@@ -5327,7 +5334,7 @@
           <a:p>
             <a:fld id="{EDEE5555-96F6-4600-823E-DAF050670A28}" type="datetimeFigureOut">
               <a:rPr lang="ko-KR" altLang="en-US" smtClean="0"/>
-              <a:t>2018-09-09</a:t>
+              <a:t>2018-09-11</a:t>
             </a:fld>
             <a:endParaRPr lang="ko-KR" altLang="en-US"/>
           </a:p>
@@ -6008,7 +6015,12 @@
             <p:ph idx="1"/>
           </p:nvPr>
         </p:nvSpPr>
-        <p:spPr/>
+        <p:spPr>
+          <a:xfrm>
+            <a:off x="1295401" y="3415727"/>
+            <a:ext cx="9601196" cy="1303867"/>
+          </a:xfrm>
+        </p:spPr>
         <p:txBody>
           <a:bodyPr>
             <a:normAutofit/>
@@ -6022,28 +6034,6 @@
               </a:rPr>
               <a:t>Collect price of airline ticket and find what is most chip route to destination</a:t>
             </a:r>
-          </a:p>
-          <a:p>
-            <a:r>
-              <a:rPr lang="en-US" altLang="ko-KR" sz="3500" dirty="0">
-                <a:latin typeface="Andalus" panose="02020603050405020304" pitchFamily="18" charset="-78"/>
-                <a:cs typeface="Andalus" panose="02020603050405020304" pitchFamily="18" charset="-78"/>
-              </a:rPr>
-              <a:t>In limited budget, how can we get longest trip?</a:t>
-            </a:r>
-          </a:p>
-          <a:p>
-            <a:r>
-              <a:rPr lang="en-US" altLang="ko-KR" sz="3500" dirty="0">
-                <a:latin typeface="Andalus" panose="02020603050405020304" pitchFamily="18" charset="-78"/>
-                <a:cs typeface="Andalus" panose="02020603050405020304" pitchFamily="18" charset="-78"/>
-              </a:rPr>
-              <a:t>In limited time, how can we get efficient trip?</a:t>
-            </a:r>
-            <a:endParaRPr lang="ko-KR" altLang="en-US" sz="3500" dirty="0">
-              <a:latin typeface="Andalus" panose="02020603050405020304" pitchFamily="18" charset="-78"/>
-              <a:cs typeface="Andalus" panose="02020603050405020304" pitchFamily="18" charset="-78"/>
-            </a:endParaRPr>
           </a:p>
         </p:txBody>
       </p:sp>
@@ -6082,6 +6072,101 @@
           <p:cNvPr id="2" name="제목 1">
             <a:extLst>
               <a:ext uri="{FF2B5EF4-FFF2-40B4-BE49-F238E27FC236}">
+                <a16:creationId xmlns:a16="http://schemas.microsoft.com/office/drawing/2014/main" id="{3C83F47E-60F7-4CF8-B7C7-EACCA573AA9D}"/>
+              </a:ext>
+            </a:extLst>
+          </p:cNvPr>
+          <p:cNvSpPr>
+            <a:spLocks noGrp="1"/>
+          </p:cNvSpPr>
+          <p:nvPr>
+            <p:ph type="title"/>
+          </p:nvPr>
+        </p:nvSpPr>
+        <p:spPr/>
+        <p:txBody>
+          <a:bodyPr/>
+          <a:lstStyle/>
+          <a:p>
+            <a:r>
+              <a:rPr lang="en-US" altLang="ko-KR" dirty="0"/>
+              <a:t>Data set</a:t>
+            </a:r>
+            <a:endParaRPr lang="ko-KR" altLang="en-US" dirty="0"/>
+          </a:p>
+        </p:txBody>
+      </p:sp>
+      <p:pic>
+        <p:nvPicPr>
+          <p:cNvPr id="4" name="그림 3">
+            <a:extLst>
+              <a:ext uri="{FF2B5EF4-FFF2-40B4-BE49-F238E27FC236}">
+                <a16:creationId xmlns:a16="http://schemas.microsoft.com/office/drawing/2014/main" id="{16D92ACA-65BC-4DA7-8161-6733BFD8C7A4}"/>
+              </a:ext>
+            </a:extLst>
+          </p:cNvPr>
+          <p:cNvPicPr>
+            <a:picLocks noChangeAspect="1"/>
+          </p:cNvPicPr>
+          <p:nvPr/>
+        </p:nvPicPr>
+        <p:blipFill>
+          <a:blip r:embed="rId2">
+            <a:extLst>
+              <a:ext uri="{28A0092B-C50C-407E-A947-70E740481C1C}">
+                <a14:useLocalDpi xmlns:a14="http://schemas.microsoft.com/office/drawing/2010/main" val="0"/>
+              </a:ext>
+            </a:extLst>
+          </a:blip>
+          <a:stretch>
+            <a:fillRect/>
+          </a:stretch>
+        </p:blipFill>
+        <p:spPr>
+          <a:xfrm>
+            <a:off x="2119056" y="2441926"/>
+            <a:ext cx="7953887" cy="3630700"/>
+          </a:xfrm>
+          <a:prstGeom prst="rect">
+            <a:avLst/>
+          </a:prstGeom>
+        </p:spPr>
+      </p:pic>
+    </p:spTree>
+    <p:extLst>
+      <p:ext uri="{BB962C8B-B14F-4D97-AF65-F5344CB8AC3E}">
+        <p14:creationId xmlns:p14="http://schemas.microsoft.com/office/powerpoint/2010/main" val="3487171675"/>
+      </p:ext>
+    </p:extLst>
+  </p:cSld>
+  <p:clrMapOvr>
+    <a:masterClrMapping/>
+  </p:clrMapOvr>
+</p:sld>
+</file>
+
+<file path=ppt/slides/slide4.xml><?xml version="1.0" encoding="utf-8"?>
+<p:sld xmlns:a="http://schemas.openxmlformats.org/drawingml/2006/main" xmlns:r="http://schemas.openxmlformats.org/officeDocument/2006/relationships" xmlns:p="http://schemas.openxmlformats.org/presentationml/2006/main">
+  <p:cSld>
+    <p:spTree>
+      <p:nvGrpSpPr>
+        <p:cNvPr id="1" name=""/>
+        <p:cNvGrpSpPr/>
+        <p:nvPr/>
+      </p:nvGrpSpPr>
+      <p:grpSpPr>
+        <a:xfrm>
+          <a:off x="0" y="0"/>
+          <a:ext cx="0" cy="0"/>
+          <a:chOff x="0" y="0"/>
+          <a:chExt cx="0" cy="0"/>
+        </a:xfrm>
+      </p:grpSpPr>
+      <p:sp>
+        <p:nvSpPr>
+          <p:cNvPr id="2" name="제목 1">
+            <a:extLst>
+              <a:ext uri="{FF2B5EF4-FFF2-40B4-BE49-F238E27FC236}">
                 <a16:creationId xmlns:a16="http://schemas.microsoft.com/office/drawing/2014/main" id="{48235870-BA92-4D0B-8B91-21FCA61149BB}"/>
               </a:ext>
             </a:extLst>
@@ -6100,7 +6185,7 @@
           <a:p>
             <a:r>
               <a:rPr lang="en-US" altLang="ko-KR" dirty="0"/>
-              <a:t>How to realize dynamic graph?</a:t>
+              <a:t>Realize</a:t>
             </a:r>
             <a:endParaRPr lang="ko-KR" altLang="en-US" dirty="0"/>
           </a:p>
@@ -6141,13 +6226,529 @@
                 <a:latin typeface="Andalus" panose="02020603050405020304" pitchFamily="18" charset="-78"/>
                 <a:cs typeface="Andalus" panose="02020603050405020304" pitchFamily="18" charset="-78"/>
               </a:rPr>
-              <a:t>Edge will has three kind of weight(time, cost, distance)</a:t>
+              <a:t>Weight will be cost.</a:t>
             </a:r>
           </a:p>
           <a:p>
             <a:endParaRPr lang="ko-KR" altLang="en-US" dirty="0">
               <a:latin typeface="Andalus" panose="02020603050405020304" pitchFamily="18" charset="-78"/>
               <a:cs typeface="Andalus" panose="02020603050405020304" pitchFamily="18" charset="-78"/>
+            </a:endParaRPr>
+          </a:p>
+        </p:txBody>
+      </p:sp>
+      <p:sp>
+        <p:nvSpPr>
+          <p:cNvPr id="4" name="타원 3">
+            <a:extLst>
+              <a:ext uri="{FF2B5EF4-FFF2-40B4-BE49-F238E27FC236}">
+                <a16:creationId xmlns:a16="http://schemas.microsoft.com/office/drawing/2014/main" id="{39D814FE-94BA-46CB-97EA-A437C9D6429D}"/>
+              </a:ext>
+            </a:extLst>
+          </p:cNvPr>
+          <p:cNvSpPr/>
+          <p:nvPr/>
+        </p:nvSpPr>
+        <p:spPr>
+          <a:xfrm>
+            <a:off x="2434661" y="4318402"/>
+            <a:ext cx="1433004" cy="1266852"/>
+          </a:xfrm>
+          <a:prstGeom prst="ellipse">
+            <a:avLst/>
+          </a:prstGeom>
+          <a:solidFill>
+            <a:schemeClr val="accent2">
+              <a:lumMod val="20000"/>
+              <a:lumOff val="80000"/>
+            </a:schemeClr>
+          </a:solidFill>
+        </p:spPr>
+        <p:style>
+          <a:lnRef idx="2">
+            <a:schemeClr val="accent1">
+              <a:shade val="50000"/>
+            </a:schemeClr>
+          </a:lnRef>
+          <a:fillRef idx="1">
+            <a:schemeClr val="accent1"/>
+          </a:fillRef>
+          <a:effectRef idx="0">
+            <a:schemeClr val="accent1"/>
+          </a:effectRef>
+          <a:fontRef idx="minor">
+            <a:schemeClr val="lt1"/>
+          </a:fontRef>
+        </p:style>
+        <p:txBody>
+          <a:bodyPr rtlCol="0" anchor="ctr"/>
+          <a:lstStyle/>
+          <a:p>
+            <a:pPr algn="ctr"/>
+            <a:r>
+              <a:rPr lang="en-US" altLang="ko-KR" dirty="0">
+                <a:solidFill>
+                  <a:schemeClr val="tx1"/>
+                </a:solidFill>
+              </a:rPr>
+              <a:t>Seoul</a:t>
+            </a:r>
+            <a:endParaRPr lang="ko-KR" altLang="en-US" dirty="0">
+              <a:solidFill>
+                <a:schemeClr val="tx1"/>
+              </a:solidFill>
+            </a:endParaRPr>
+          </a:p>
+        </p:txBody>
+      </p:sp>
+      <p:sp>
+        <p:nvSpPr>
+          <p:cNvPr id="5" name="타원 4">
+            <a:extLst>
+              <a:ext uri="{FF2B5EF4-FFF2-40B4-BE49-F238E27FC236}">
+                <a16:creationId xmlns:a16="http://schemas.microsoft.com/office/drawing/2014/main" id="{689110E3-2E4F-4CA4-B7C4-645EA3ED5264}"/>
+              </a:ext>
+            </a:extLst>
+          </p:cNvPr>
+          <p:cNvSpPr/>
+          <p:nvPr/>
+        </p:nvSpPr>
+        <p:spPr>
+          <a:xfrm>
+            <a:off x="7439018" y="4226011"/>
+            <a:ext cx="1482560" cy="1451634"/>
+          </a:xfrm>
+          <a:prstGeom prst="ellipse">
+            <a:avLst/>
+          </a:prstGeom>
+          <a:solidFill>
+            <a:schemeClr val="accent2">
+              <a:lumMod val="20000"/>
+              <a:lumOff val="80000"/>
+            </a:schemeClr>
+          </a:solidFill>
+        </p:spPr>
+        <p:style>
+          <a:lnRef idx="2">
+            <a:schemeClr val="accent1">
+              <a:shade val="50000"/>
+            </a:schemeClr>
+          </a:lnRef>
+          <a:fillRef idx="1">
+            <a:schemeClr val="accent1"/>
+          </a:fillRef>
+          <a:effectRef idx="0">
+            <a:schemeClr val="accent1"/>
+          </a:effectRef>
+          <a:fontRef idx="minor">
+            <a:schemeClr val="lt1"/>
+          </a:fontRef>
+        </p:style>
+        <p:txBody>
+          <a:bodyPr rtlCol="0" anchor="ctr"/>
+          <a:lstStyle/>
+          <a:p>
+            <a:pPr algn="ctr"/>
+            <a:r>
+              <a:rPr lang="en-US" altLang="ko-KR" dirty="0" err="1">
+                <a:solidFill>
+                  <a:schemeClr val="tx1"/>
+                </a:solidFill>
+              </a:rPr>
+              <a:t>NewYork</a:t>
+            </a:r>
+            <a:endParaRPr lang="ko-KR" altLang="en-US" dirty="0">
+              <a:solidFill>
+                <a:schemeClr val="tx1"/>
+              </a:solidFill>
+            </a:endParaRPr>
+          </a:p>
+        </p:txBody>
+      </p:sp>
+      <p:sp>
+        <p:nvSpPr>
+          <p:cNvPr id="6" name="타원 5">
+            <a:extLst>
+              <a:ext uri="{FF2B5EF4-FFF2-40B4-BE49-F238E27FC236}">
+                <a16:creationId xmlns:a16="http://schemas.microsoft.com/office/drawing/2014/main" id="{B1E729CC-0771-4729-9D0A-7AF4D659DAD8}"/>
+              </a:ext>
+            </a:extLst>
+          </p:cNvPr>
+          <p:cNvSpPr/>
+          <p:nvPr/>
+        </p:nvSpPr>
+        <p:spPr>
+          <a:xfrm>
+            <a:off x="5165372" y="3299254"/>
+            <a:ext cx="1358996" cy="1188856"/>
+          </a:xfrm>
+          <a:prstGeom prst="ellipse">
+            <a:avLst/>
+          </a:prstGeom>
+          <a:solidFill>
+            <a:schemeClr val="accent2">
+              <a:lumMod val="20000"/>
+              <a:lumOff val="80000"/>
+            </a:schemeClr>
+          </a:solidFill>
+        </p:spPr>
+        <p:style>
+          <a:lnRef idx="2">
+            <a:schemeClr val="accent1">
+              <a:shade val="50000"/>
+            </a:schemeClr>
+          </a:lnRef>
+          <a:fillRef idx="1">
+            <a:schemeClr val="accent1"/>
+          </a:fillRef>
+          <a:effectRef idx="0">
+            <a:schemeClr val="accent1"/>
+          </a:effectRef>
+          <a:fontRef idx="minor">
+            <a:schemeClr val="lt1"/>
+          </a:fontRef>
+        </p:style>
+        <p:txBody>
+          <a:bodyPr rtlCol="0" anchor="ctr"/>
+          <a:lstStyle/>
+          <a:p>
+            <a:pPr algn="ctr"/>
+            <a:r>
+              <a:rPr lang="en-US" altLang="ko-KR" dirty="0">
+                <a:solidFill>
+                  <a:schemeClr val="tx1"/>
+                </a:solidFill>
+              </a:rPr>
+              <a:t>Tokyo</a:t>
+            </a:r>
+            <a:endParaRPr lang="ko-KR" altLang="en-US" dirty="0">
+              <a:solidFill>
+                <a:schemeClr val="tx1"/>
+              </a:solidFill>
+            </a:endParaRPr>
+          </a:p>
+        </p:txBody>
+      </p:sp>
+      <p:cxnSp>
+        <p:nvCxnSpPr>
+          <p:cNvPr id="8" name="직선 화살표 연결선 7">
+            <a:extLst>
+              <a:ext uri="{FF2B5EF4-FFF2-40B4-BE49-F238E27FC236}">
+                <a16:creationId xmlns:a16="http://schemas.microsoft.com/office/drawing/2014/main" id="{0542F9F8-C2FE-4B0F-9293-E7324DB8B850}"/>
+              </a:ext>
+            </a:extLst>
+          </p:cNvPr>
+          <p:cNvCxnSpPr>
+            <a:cxnSpLocks/>
+            <a:stCxn id="4" idx="6"/>
+            <a:endCxn id="5" idx="2"/>
+          </p:cNvCxnSpPr>
+          <p:nvPr/>
+        </p:nvCxnSpPr>
+        <p:spPr>
+          <a:xfrm>
+            <a:off x="3867665" y="4951828"/>
+            <a:ext cx="3571353" cy="0"/>
+          </a:xfrm>
+          <a:prstGeom prst="straightConnector1">
+            <a:avLst/>
+          </a:prstGeom>
+          <a:ln>
+            <a:tailEnd type="triangle"/>
+          </a:ln>
+        </p:spPr>
+        <p:style>
+          <a:lnRef idx="1">
+            <a:schemeClr val="accent1"/>
+          </a:lnRef>
+          <a:fillRef idx="0">
+            <a:schemeClr val="accent1"/>
+          </a:fillRef>
+          <a:effectRef idx="0">
+            <a:schemeClr val="accent1"/>
+          </a:effectRef>
+          <a:fontRef idx="minor">
+            <a:schemeClr val="tx1"/>
+          </a:fontRef>
+        </p:style>
+      </p:cxnSp>
+      <p:cxnSp>
+        <p:nvCxnSpPr>
+          <p:cNvPr id="11" name="직선 화살표 연결선 10">
+            <a:extLst>
+              <a:ext uri="{FF2B5EF4-FFF2-40B4-BE49-F238E27FC236}">
+                <a16:creationId xmlns:a16="http://schemas.microsoft.com/office/drawing/2014/main" id="{9AE8A086-F829-4778-A8D7-DD978E5EFCDA}"/>
+              </a:ext>
+            </a:extLst>
+          </p:cNvPr>
+          <p:cNvCxnSpPr>
+            <a:stCxn id="4" idx="7"/>
+          </p:cNvCxnSpPr>
+          <p:nvPr/>
+        </p:nvCxnSpPr>
+        <p:spPr>
+          <a:xfrm flipV="1">
+            <a:off x="3657806" y="4003589"/>
+            <a:ext cx="1507566" cy="500339"/>
+          </a:xfrm>
+          <a:prstGeom prst="straightConnector1">
+            <a:avLst/>
+          </a:prstGeom>
+          <a:ln>
+            <a:tailEnd type="triangle"/>
+          </a:ln>
+        </p:spPr>
+        <p:style>
+          <a:lnRef idx="1">
+            <a:schemeClr val="accent1"/>
+          </a:lnRef>
+          <a:fillRef idx="0">
+            <a:schemeClr val="accent1"/>
+          </a:fillRef>
+          <a:effectRef idx="0">
+            <a:schemeClr val="accent1"/>
+          </a:effectRef>
+          <a:fontRef idx="minor">
+            <a:schemeClr val="tx1"/>
+          </a:fontRef>
+        </p:style>
+      </p:cxnSp>
+      <p:cxnSp>
+        <p:nvCxnSpPr>
+          <p:cNvPr id="13" name="직선 화살표 연결선 12">
+            <a:extLst>
+              <a:ext uri="{FF2B5EF4-FFF2-40B4-BE49-F238E27FC236}">
+                <a16:creationId xmlns:a16="http://schemas.microsoft.com/office/drawing/2014/main" id="{2D6FAAE1-DD56-49A9-BF3E-4E69771C838E}"/>
+              </a:ext>
+            </a:extLst>
+          </p:cNvPr>
+          <p:cNvCxnSpPr>
+            <a:stCxn id="6" idx="6"/>
+            <a:endCxn id="5" idx="1"/>
+          </p:cNvCxnSpPr>
+          <p:nvPr/>
+        </p:nvCxnSpPr>
+        <p:spPr>
+          <a:xfrm>
+            <a:off x="6524368" y="3893682"/>
+            <a:ext cx="1131766" cy="544916"/>
+          </a:xfrm>
+          <a:prstGeom prst="straightConnector1">
+            <a:avLst/>
+          </a:prstGeom>
+          <a:ln>
+            <a:tailEnd type="triangle"/>
+          </a:ln>
+        </p:spPr>
+        <p:style>
+          <a:lnRef idx="1">
+            <a:schemeClr val="accent1"/>
+          </a:lnRef>
+          <a:fillRef idx="0">
+            <a:schemeClr val="accent1"/>
+          </a:fillRef>
+          <a:effectRef idx="0">
+            <a:schemeClr val="accent1"/>
+          </a:effectRef>
+          <a:fontRef idx="minor">
+            <a:schemeClr val="tx1"/>
+          </a:fontRef>
+        </p:style>
+      </p:cxnSp>
+      <p:sp>
+        <p:nvSpPr>
+          <p:cNvPr id="14" name="직사각형 13">
+            <a:extLst>
+              <a:ext uri="{FF2B5EF4-FFF2-40B4-BE49-F238E27FC236}">
+                <a16:creationId xmlns:a16="http://schemas.microsoft.com/office/drawing/2014/main" id="{DBB5F972-0409-4244-B0B9-D052ACA27802}"/>
+              </a:ext>
+            </a:extLst>
+          </p:cNvPr>
+          <p:cNvSpPr/>
+          <p:nvPr/>
+        </p:nvSpPr>
+        <p:spPr>
+          <a:xfrm>
+            <a:off x="5313405" y="5214550"/>
+            <a:ext cx="782595" cy="370689"/>
+          </a:xfrm>
+          <a:prstGeom prst="rect">
+            <a:avLst/>
+          </a:prstGeom>
+          <a:solidFill>
+            <a:schemeClr val="bg1"/>
+          </a:solidFill>
+          <a:ln>
+            <a:solidFill>
+              <a:schemeClr val="bg1"/>
+            </a:solidFill>
+          </a:ln>
+        </p:spPr>
+        <p:style>
+          <a:lnRef idx="2">
+            <a:schemeClr val="accent1">
+              <a:shade val="50000"/>
+            </a:schemeClr>
+          </a:lnRef>
+          <a:fillRef idx="1">
+            <a:schemeClr val="accent1"/>
+          </a:fillRef>
+          <a:effectRef idx="0">
+            <a:schemeClr val="accent1"/>
+          </a:effectRef>
+          <a:fontRef idx="minor">
+            <a:schemeClr val="lt1"/>
+          </a:fontRef>
+        </p:style>
+        <p:txBody>
+          <a:bodyPr rtlCol="0" anchor="ctr"/>
+          <a:lstStyle/>
+          <a:p>
+            <a:pPr algn="ctr"/>
+            <a:r>
+              <a:rPr lang="en-US" altLang="ko-KR" dirty="0">
+                <a:solidFill>
+                  <a:schemeClr val="tx1"/>
+                </a:solidFill>
+              </a:rPr>
+              <a:t>1800$</a:t>
+            </a:r>
+            <a:endParaRPr lang="ko-KR" altLang="en-US" dirty="0">
+              <a:solidFill>
+                <a:schemeClr val="tx1"/>
+              </a:solidFill>
+            </a:endParaRPr>
+          </a:p>
+        </p:txBody>
+      </p:sp>
+      <p:sp>
+        <p:nvSpPr>
+          <p:cNvPr id="15" name="직사각형 14">
+            <a:extLst>
+              <a:ext uri="{FF2B5EF4-FFF2-40B4-BE49-F238E27FC236}">
+                <a16:creationId xmlns:a16="http://schemas.microsoft.com/office/drawing/2014/main" id="{F3E236A9-B7B4-42E5-A766-807F95891453}"/>
+              </a:ext>
+            </a:extLst>
+          </p:cNvPr>
+          <p:cNvSpPr/>
+          <p:nvPr/>
+        </p:nvSpPr>
+        <p:spPr>
+          <a:xfrm>
+            <a:off x="3769166" y="3804598"/>
+            <a:ext cx="716708" cy="397982"/>
+          </a:xfrm>
+          <a:prstGeom prst="rect">
+            <a:avLst/>
+          </a:prstGeom>
+          <a:solidFill>
+            <a:schemeClr val="bg1"/>
+          </a:solidFill>
+          <a:ln>
+            <a:solidFill>
+              <a:schemeClr val="bg1"/>
+            </a:solidFill>
+          </a:ln>
+        </p:spPr>
+        <p:style>
+          <a:lnRef idx="2">
+            <a:schemeClr val="accent1">
+              <a:shade val="50000"/>
+            </a:schemeClr>
+          </a:lnRef>
+          <a:fillRef idx="1">
+            <a:schemeClr val="accent1"/>
+          </a:fillRef>
+          <a:effectRef idx="0">
+            <a:schemeClr val="accent1"/>
+          </a:effectRef>
+          <a:fontRef idx="minor">
+            <a:schemeClr val="lt1"/>
+          </a:fontRef>
+        </p:style>
+        <p:txBody>
+          <a:bodyPr rtlCol="0" anchor="ctr"/>
+          <a:lstStyle/>
+          <a:p>
+            <a:pPr algn="ctr"/>
+            <a:r>
+              <a:rPr lang="en-US" altLang="ko-KR" dirty="0">
+                <a:solidFill>
+                  <a:schemeClr val="tx1"/>
+                </a:solidFill>
+              </a:rPr>
+              <a:t>400$</a:t>
+            </a:r>
+            <a:endParaRPr lang="ko-KR" altLang="en-US" dirty="0">
+              <a:solidFill>
+                <a:schemeClr val="tx1"/>
+              </a:solidFill>
+            </a:endParaRPr>
+          </a:p>
+        </p:txBody>
+      </p:sp>
+      <p:sp>
+        <p:nvSpPr>
+          <p:cNvPr id="16" name="직사각형 15">
+            <a:extLst>
+              <a:ext uri="{FF2B5EF4-FFF2-40B4-BE49-F238E27FC236}">
+                <a16:creationId xmlns:a16="http://schemas.microsoft.com/office/drawing/2014/main" id="{C3304B3B-B429-4E07-AD8B-2ECF87C4B1F1}"/>
+              </a:ext>
+            </a:extLst>
+          </p:cNvPr>
+          <p:cNvSpPr/>
+          <p:nvPr/>
+        </p:nvSpPr>
+        <p:spPr>
+          <a:xfrm>
+            <a:off x="7072431" y="3687175"/>
+            <a:ext cx="749644" cy="316414"/>
+          </a:xfrm>
+          <a:prstGeom prst="rect">
+            <a:avLst/>
+          </a:prstGeom>
+          <a:solidFill>
+            <a:schemeClr val="bg1"/>
+          </a:solidFill>
+          <a:ln>
+            <a:solidFill>
+              <a:schemeClr val="bg1"/>
+            </a:solidFill>
+          </a:ln>
+        </p:spPr>
+        <p:style>
+          <a:lnRef idx="2">
+            <a:schemeClr val="accent1">
+              <a:shade val="50000"/>
+            </a:schemeClr>
+          </a:lnRef>
+          <a:fillRef idx="1">
+            <a:schemeClr val="accent1"/>
+          </a:fillRef>
+          <a:effectRef idx="0">
+            <a:schemeClr val="accent1"/>
+          </a:effectRef>
+          <a:fontRef idx="minor">
+            <a:schemeClr val="lt1"/>
+          </a:fontRef>
+        </p:style>
+        <p:txBody>
+          <a:bodyPr rtlCol="0" anchor="ctr"/>
+          <a:lstStyle/>
+          <a:p>
+            <a:pPr algn="ctr"/>
+            <a:r>
+              <a:rPr lang="en-US" altLang="ko-KR" dirty="0">
+                <a:solidFill>
+                  <a:schemeClr val="tx1"/>
+                </a:solidFill>
+              </a:rPr>
+              <a:t>1200$</a:t>
+            </a:r>
+            <a:endParaRPr lang="ko-KR" altLang="en-US" dirty="0">
+              <a:solidFill>
+                <a:schemeClr val="tx1"/>
+              </a:solidFill>
             </a:endParaRPr>
           </a:p>
         </p:txBody>
@@ -6165,7 +6766,113 @@
 </p:sld>
 </file>
 
-<file path=ppt/slides/slide4.xml><?xml version="1.0" encoding="utf-8"?>
+<file path=ppt/slides/slide5.xml><?xml version="1.0" encoding="utf-8"?>
+<p:sld xmlns:a="http://schemas.openxmlformats.org/drawingml/2006/main" xmlns:r="http://schemas.openxmlformats.org/officeDocument/2006/relationships" xmlns:p="http://schemas.openxmlformats.org/presentationml/2006/main">
+  <p:cSld>
+    <p:spTree>
+      <p:nvGrpSpPr>
+        <p:cNvPr id="1" name=""/>
+        <p:cNvGrpSpPr/>
+        <p:nvPr/>
+      </p:nvGrpSpPr>
+      <p:grpSpPr>
+        <a:xfrm>
+          <a:off x="0" y="0"/>
+          <a:ext cx="0" cy="0"/>
+          <a:chOff x="0" y="0"/>
+          <a:chExt cx="0" cy="0"/>
+        </a:xfrm>
+      </p:grpSpPr>
+      <p:sp>
+        <p:nvSpPr>
+          <p:cNvPr id="2" name="제목 1">
+            <a:extLst>
+              <a:ext uri="{FF2B5EF4-FFF2-40B4-BE49-F238E27FC236}">
+                <a16:creationId xmlns:a16="http://schemas.microsoft.com/office/drawing/2014/main" id="{D728AB85-2CF4-45B3-9784-1D05FE6F293F}"/>
+              </a:ext>
+            </a:extLst>
+          </p:cNvPr>
+          <p:cNvSpPr>
+            <a:spLocks noGrp="1"/>
+          </p:cNvSpPr>
+          <p:nvPr>
+            <p:ph type="title"/>
+          </p:nvPr>
+        </p:nvSpPr>
+        <p:spPr/>
+        <p:txBody>
+          <a:bodyPr/>
+          <a:lstStyle/>
+          <a:p>
+            <a:r>
+              <a:rPr lang="en-US" altLang="ko-KR" dirty="0" err="1"/>
+              <a:t>Extendabillity</a:t>
+            </a:r>
+            <a:endParaRPr lang="ko-KR" altLang="en-US" dirty="0"/>
+          </a:p>
+        </p:txBody>
+      </p:sp>
+      <p:sp>
+        <p:nvSpPr>
+          <p:cNvPr id="3" name="내용 개체 틀 2">
+            <a:extLst>
+              <a:ext uri="{FF2B5EF4-FFF2-40B4-BE49-F238E27FC236}">
+                <a16:creationId xmlns:a16="http://schemas.microsoft.com/office/drawing/2014/main" id="{84FFFE4E-803B-46B8-A6D2-460867012627}"/>
+              </a:ext>
+            </a:extLst>
+          </p:cNvPr>
+          <p:cNvSpPr>
+            <a:spLocks noGrp="1"/>
+          </p:cNvSpPr>
+          <p:nvPr>
+            <p:ph idx="1"/>
+          </p:nvPr>
+        </p:nvSpPr>
+        <p:spPr>
+          <a:xfrm>
+            <a:off x="1295401" y="3125343"/>
+            <a:ext cx="9601196" cy="2200419"/>
+          </a:xfrm>
+        </p:spPr>
+        <p:txBody>
+          <a:bodyPr>
+            <a:normAutofit/>
+          </a:bodyPr>
+          <a:lstStyle/>
+          <a:p>
+            <a:r>
+              <a:rPr lang="en-US" altLang="ko-KR" sz="3200" dirty="0"/>
+              <a:t>In limited cost, get most various destination?</a:t>
+            </a:r>
+          </a:p>
+          <a:p>
+            <a:endParaRPr lang="en-US" altLang="ko-KR" sz="3200" dirty="0"/>
+          </a:p>
+          <a:p>
+            <a:r>
+              <a:rPr lang="en-US" altLang="ko-KR" sz="3200" dirty="0"/>
+              <a:t>In limited time, get most long trip?</a:t>
+            </a:r>
+          </a:p>
+          <a:p>
+            <a:endParaRPr lang="ko-KR" altLang="en-US" sz="3200" dirty="0"/>
+          </a:p>
+        </p:txBody>
+      </p:sp>
+    </p:spTree>
+    <p:extLst>
+      <p:ext uri="{BB962C8B-B14F-4D97-AF65-F5344CB8AC3E}">
+        <p14:creationId xmlns:p14="http://schemas.microsoft.com/office/powerpoint/2010/main" val="778158385"/>
+      </p:ext>
+    </p:extLst>
+  </p:cSld>
+  <p:clrMapOvr>
+    <a:masterClrMapping/>
+  </p:clrMapOvr>
+</p:sld>
+</file>
+
+<file path=ppt/slides/slide6.xml><?xml version="1.0" encoding="utf-8"?>
 <p:sld xmlns:a="http://schemas.openxmlformats.org/drawingml/2006/main" xmlns:r="http://schemas.openxmlformats.org/officeDocument/2006/relationships" xmlns:p="http://schemas.openxmlformats.org/presentationml/2006/main">
   <p:cSld>
     <p:spTree>
